--- a/2023/2023-05/2023-05-27/solution.pptx
+++ b/2023/2023-05/2023-05-27/solution.pptx
@@ -3413,7 +3413,7 @@
           <a:p>
             <a:r>
               <a:rPr lang="en-US"/>
-              <a:t>2</a:t>
+              <a:t>8</a:t>
             </a:r>
             <a:endParaRPr lang="en-US" dirty="0"/>
           </a:p>
